--- a/2019-10-28/ppt/javascript.pptx
+++ b/2019-10-28/ppt/javascript.pptx
@@ -50,6 +50,7 @@
     <p:sldId id="295" r:id="rId47"/>
     <p:sldId id="296" r:id="rId48"/>
     <p:sldId id="297" r:id="rId49"/>
+    <p:sldId id="298" r:id="rId50"/>
   </p:sldIdLst>
   <p:sldSz cx="24384000" cy="13716000"/>
   <p:notesSz cx="6858000" cy="9144000"/>
@@ -5144,7 +5145,7 @@
         <p:spPr>
           <a:xfrm>
             <a:off x="1525558" y="3098800"/>
-            <a:ext cx="21005801" cy="9296401"/>
+            <a:ext cx="21005801" cy="9296400"/>
           </a:xfrm>
           <a:prstGeom prst="rect">
             <a:avLst/>
@@ -7497,7 +7498,7 @@
         </p:nvSpPr>
         <p:spPr>
           <a:xfrm>
-            <a:off x="1967120" y="2969704"/>
+            <a:off x="1950765" y="2969704"/>
             <a:ext cx="21005801" cy="9296401"/>
           </a:xfrm>
           <a:prstGeom prst="rect">
@@ -8014,7 +8015,7 @@
         <p:spPr>
           <a:xfrm>
             <a:off x="1803578" y="3098800"/>
-            <a:ext cx="21005801" cy="9296401"/>
+            <a:ext cx="21005801" cy="9296400"/>
           </a:xfrm>
           <a:prstGeom prst="rect">
             <a:avLst/>
@@ -8598,17 +8599,13 @@
       </p:grpSpPr>
       <p:sp>
         <p:nvSpPr>
-          <p:cNvPr id="217" name="条件语句"/>
+          <p:cNvPr id="217" name="选择结构"/>
           <p:cNvSpPr txBox="1"/>
           <p:nvPr>
             <p:ph type="title"/>
           </p:nvPr>
         </p:nvSpPr>
         <p:spPr>
-          <a:xfrm>
-            <a:off x="1689100" y="355599"/>
-            <a:ext cx="21005801" cy="2286001"/>
-          </a:xfrm>
           <a:prstGeom prst="rect">
             <a:avLst/>
           </a:prstGeom>
@@ -8627,7 +8624,7 @@
           <a:p>
             <a:pPr/>
             <a:r>
-              <a:t>条件语句</a:t>
+              <a:t>选择结构</a:t>
             </a:r>
           </a:p>
         </p:txBody>
@@ -9256,6 +9253,88 @@
           </a:ln>
         </p:spPr>
       </p:pic>
+      <p:sp>
+        <p:nvSpPr>
+          <p:cNvPr id="232" name="注意：else 语句是可选的…"/>
+          <p:cNvSpPr txBox="1"/>
+          <p:nvPr/>
+        </p:nvSpPr>
+        <p:spPr>
+          <a:xfrm>
+            <a:off x="803962" y="10800908"/>
+            <a:ext cx="10891306" cy="2263374"/>
+          </a:xfrm>
+          <a:prstGeom prst="rect">
+            <a:avLst/>
+          </a:prstGeom>
+          <a:ln w="12700">
+            <a:miter lim="400000"/>
+          </a:ln>
+          <a:extLst>
+            <a:ext uri="{C572A759-6A51-4108-AA02-DFA0A04FC94B}">
+              <ma14:wrappingTextBoxFlag xmlns:ma14="http://schemas.microsoft.com/office/mac/drawingml/2011/main" val="1"/>
+            </a:ext>
+          </a:extLst>
+        </p:spPr>
+        <p:txBody>
+          <a:bodyPr lIns="50800" tIns="50800" rIns="50800" bIns="50800" anchor="ctr">
+            <a:spAutoFit/>
+          </a:bodyPr>
+          <a:lstStyle/>
+          <a:p>
+            <a:pPr algn="l">
+              <a:defRPr sz="4200">
+                <a:solidFill>
+                  <a:schemeClr val="accent5">
+                    <a:hueOff val="-82419"/>
+                    <a:satOff val="-9513"/>
+                    <a:lumOff val="-16343"/>
+                  </a:schemeClr>
+                </a:solidFill>
+              </a:defRPr>
+            </a:pPr>
+            <a:r>
+              <a:t>注意：else 语句是可选的</a:t>
+            </a:r>
+          </a:p>
+          <a:p>
+            <a:pPr>
+              <a:defRPr sz="4200">
+                <a:solidFill>
+                  <a:schemeClr val="accent5">
+                    <a:hueOff val="-82419"/>
+                    <a:satOff val="-9513"/>
+                    <a:lumOff val="-16343"/>
+                  </a:schemeClr>
+                </a:solidFill>
+              </a:defRPr>
+            </a:pPr>
+          </a:p>
+          <a:p>
+            <a:pPr lvl="1" algn="l">
+              <a:defRPr sz="4200">
+                <a:solidFill>
+                  <a:schemeClr val="accent5">
+                    <a:hueOff val="-82419"/>
+                    <a:satOff val="-9513"/>
+                    <a:lumOff val="-16343"/>
+                  </a:schemeClr>
+                </a:solidFill>
+              </a:defRPr>
+            </a:pPr>
+            <a:r>
+              <a:t>语句中的值始终</a:t>
+            </a:r>
+            <a:r>
+              <a:rPr i="1"/>
+              <a:t>转换为</a:t>
+            </a:r>
+            <a:r>
+              <a:t> true 或 false</a:t>
+            </a:r>
+          </a:p>
+        </p:txBody>
+      </p:sp>
     </p:spTree>
   </p:cSld>
   <p:clrMapOvr>
@@ -9291,7 +9370,7 @@
       </p:grpSpPr>
       <p:sp>
         <p:nvSpPr>
-          <p:cNvPr id="233" name="Else if 语句"/>
+          <p:cNvPr id="234" name="Else if 语句"/>
           <p:cNvSpPr txBox="1"/>
           <p:nvPr>
             <p:ph type="title"/>
@@ -9327,7 +9406,7 @@
       </p:sp>
       <p:sp>
         <p:nvSpPr>
-          <p:cNvPr id="234" name="天气冷？…"/>
+          <p:cNvPr id="235" name="天气冷？…"/>
           <p:cNvSpPr/>
           <p:nvPr/>
         </p:nvSpPr>
@@ -9479,7 +9558,7 @@
       </p:sp>
       <p:sp>
         <p:nvSpPr>
-          <p:cNvPr id="235" name="线条"/>
+          <p:cNvPr id="236" name="线条"/>
           <p:cNvSpPr/>
           <p:nvPr/>
         </p:nvSpPr>
@@ -9519,7 +9598,7 @@
       </p:sp>
       <p:sp>
         <p:nvSpPr>
-          <p:cNvPr id="236" name="如果下雨？"/>
+          <p:cNvPr id="237" name="如果下雨？"/>
           <p:cNvSpPr/>
           <p:nvPr/>
         </p:nvSpPr>
@@ -9599,7 +9678,7 @@
       </p:sp>
       <p:sp>
         <p:nvSpPr>
-          <p:cNvPr id="237" name="线条"/>
+          <p:cNvPr id="238" name="线条"/>
           <p:cNvSpPr/>
           <p:nvPr/>
         </p:nvSpPr>
@@ -9639,7 +9718,7 @@
       </p:sp>
       <p:sp>
         <p:nvSpPr>
-          <p:cNvPr id="238" name="是"/>
+          <p:cNvPr id="239" name="是"/>
           <p:cNvSpPr txBox="1"/>
           <p:nvPr/>
         </p:nvSpPr>
@@ -9683,7 +9762,7 @@
       </p:sp>
       <p:sp>
         <p:nvSpPr>
-          <p:cNvPr id="239" name="穿夹克"/>
+          <p:cNvPr id="240" name="穿夹克"/>
           <p:cNvSpPr/>
           <p:nvPr/>
         </p:nvSpPr>
@@ -9731,7 +9810,7 @@
       </p:sp>
       <p:sp>
         <p:nvSpPr>
-          <p:cNvPr id="240" name="线条"/>
+          <p:cNvPr id="241" name="线条"/>
           <p:cNvSpPr/>
           <p:nvPr/>
         </p:nvSpPr>
@@ -9771,7 +9850,7 @@
       </p:sp>
       <p:sp>
         <p:nvSpPr>
-          <p:cNvPr id="241" name="就穿现在的衣服"/>
+          <p:cNvPr id="242" name="就穿现在的衣服"/>
           <p:cNvSpPr/>
           <p:nvPr/>
         </p:nvSpPr>
@@ -9819,7 +9898,7 @@
       </p:sp>
       <p:sp>
         <p:nvSpPr>
-          <p:cNvPr id="242" name="否"/>
+          <p:cNvPr id="243" name="否"/>
           <p:cNvSpPr txBox="1"/>
           <p:nvPr/>
         </p:nvSpPr>
@@ -9863,7 +9942,7 @@
       </p:sp>
       <p:sp>
         <p:nvSpPr>
-          <p:cNvPr id="243" name="线条"/>
+          <p:cNvPr id="244" name="线条"/>
           <p:cNvSpPr/>
           <p:nvPr/>
         </p:nvSpPr>
@@ -9903,7 +9982,7 @@
       </p:sp>
       <p:sp>
         <p:nvSpPr>
-          <p:cNvPr id="244" name="如果下雪？"/>
+          <p:cNvPr id="245" name="如果下雪？"/>
           <p:cNvSpPr/>
           <p:nvPr/>
         </p:nvSpPr>
@@ -9983,7 +10062,7 @@
       </p:sp>
       <p:sp>
         <p:nvSpPr>
-          <p:cNvPr id="245" name="线条"/>
+          <p:cNvPr id="246" name="线条"/>
           <p:cNvSpPr/>
           <p:nvPr/>
         </p:nvSpPr>
@@ -10023,7 +10102,7 @@
       </p:sp>
       <p:sp>
         <p:nvSpPr>
-          <p:cNvPr id="246" name="穿大衣"/>
+          <p:cNvPr id="247" name="穿大衣"/>
           <p:cNvSpPr/>
           <p:nvPr/>
         </p:nvSpPr>
@@ -10071,7 +10150,7 @@
       </p:sp>
       <p:sp>
         <p:nvSpPr>
-          <p:cNvPr id="247" name="是"/>
+          <p:cNvPr id="248" name="是"/>
           <p:cNvSpPr txBox="1"/>
           <p:nvPr/>
         </p:nvSpPr>
@@ -10115,7 +10194,7 @@
       </p:sp>
       <p:sp>
         <p:nvSpPr>
-          <p:cNvPr id="248" name="否"/>
+          <p:cNvPr id="249" name="否"/>
           <p:cNvSpPr txBox="1"/>
           <p:nvPr/>
         </p:nvSpPr>
@@ -10159,7 +10238,7 @@
       </p:sp>
       <p:pic>
         <p:nvPicPr>
-          <p:cNvPr id="249" name="2.png" descr="2.png"/>
+          <p:cNvPr id="250" name="2.png" descr="2.png"/>
           <p:cNvPicPr>
             <a:picLocks noChangeAspect="1"/>
           </p:cNvPicPr>
@@ -10221,7 +10300,7 @@
       </p:grpSpPr>
       <p:sp>
         <p:nvSpPr>
-          <p:cNvPr id="251" name="多条件语句"/>
+          <p:cNvPr id="252" name="多条件语句"/>
           <p:cNvSpPr txBox="1"/>
           <p:nvPr>
             <p:ph type="title"/>
@@ -10290,7 +10369,7 @@
       </p:grpSpPr>
       <p:sp>
         <p:nvSpPr>
-          <p:cNvPr id="253" name="逻辑运算符"/>
+          <p:cNvPr id="254" name="逻辑运算符"/>
           <p:cNvSpPr txBox="1"/>
           <p:nvPr>
             <p:ph type="title"/>
@@ -10326,7 +10405,7 @@
       </p:sp>
       <p:sp>
         <p:nvSpPr>
-          <p:cNvPr id="254" name="&amp;&amp;. 并且…"/>
+          <p:cNvPr id="255" name="&amp;&amp;. 并且 and…"/>
           <p:cNvSpPr txBox="1"/>
           <p:nvPr>
             <p:ph type="body" idx="1"/>
@@ -10349,7 +10428,7 @@
               </a:defRPr>
             </a:pPr>
             <a:r>
-              <a:t>&amp;&amp;. 并且</a:t>
+              <a:t>&amp;&amp;. 并且 and</a:t>
             </a:r>
           </a:p>
           <a:p>
@@ -10361,7 +10440,7 @@
               </a:defRPr>
             </a:pPr>
             <a:r>
-              <a:t>||   或者</a:t>
+              <a:t>||   或者 or</a:t>
             </a:r>
           </a:p>
           <a:p>
@@ -10373,7 +10452,7 @@
               </a:defRPr>
             </a:pPr>
             <a:r>
-              <a:t>!  非</a:t>
+              <a:t>!  非 not</a:t>
             </a:r>
           </a:p>
         </p:txBody>
@@ -10413,7 +10492,7 @@
       </p:grpSpPr>
       <p:graphicFrame>
         <p:nvGraphicFramePr>
-          <p:cNvPr id="256" name="表格"/>
+          <p:cNvPr id="257" name="表格"/>
           <p:cNvGraphicFramePr/>
           <p:nvPr/>
         </p:nvGraphicFramePr>
@@ -10853,7 +10932,7 @@
       </p:graphicFrame>
       <p:graphicFrame>
         <p:nvGraphicFramePr>
-          <p:cNvPr id="257" name="表格"/>
+          <p:cNvPr id="258" name="表格"/>
           <p:cNvGraphicFramePr/>
           <p:nvPr/>
         </p:nvGraphicFramePr>
@@ -11326,7 +11405,7 @@
       </p:grpSpPr>
       <p:sp>
         <p:nvSpPr>
-          <p:cNvPr id="259" name="语句嵌套"/>
+          <p:cNvPr id="260" name="最短路径"/>
           <p:cNvSpPr txBox="1"/>
           <p:nvPr>
             <p:ph type="title"/>
@@ -11334,8 +11413,8 @@
         </p:nvSpPr>
         <p:spPr>
           <a:xfrm>
-            <a:off x="1689100" y="5715000"/>
-            <a:ext cx="21005801" cy="2286001"/>
+            <a:off x="1689100" y="-25400"/>
+            <a:ext cx="21005800" cy="2286000"/>
           </a:xfrm>
           <a:prstGeom prst="rect">
             <a:avLst/>
@@ -11355,7 +11434,39 @@
           <a:p>
             <a:pPr/>
             <a:r>
-              <a:t>语句嵌套</a:t>
+              <a:t>最短路径</a:t>
+            </a:r>
+          </a:p>
+        </p:txBody>
+      </p:sp>
+      <p:sp>
+        <p:nvSpPr>
+          <p:cNvPr id="261" name="如果从左边的操作数能够得出结果，就可以忽略右边的操作数。我们将 这种现象称为“短路”(即执行最短路径) (最小计算)。"/>
+          <p:cNvSpPr txBox="1"/>
+          <p:nvPr>
+            <p:ph type="body" idx="1"/>
+          </p:nvPr>
+        </p:nvSpPr>
+        <p:spPr>
+          <a:prstGeom prst="rect">
+            <a:avLst/>
+          </a:prstGeom>
+        </p:spPr>
+        <p:txBody>
+          <a:bodyPr/>
+          <a:lstStyle>
+            <a:lvl1pPr>
+              <a:defRPr>
+                <a:solidFill>
+                  <a:srgbClr val="FFFFFF"/>
+                </a:solidFill>
+              </a:defRPr>
+            </a:lvl1pPr>
+          </a:lstStyle>
+          <a:p>
+            <a:pPr/>
+            <a:r>
+              <a:t> 如果从左边的操作数能够得出结果，就可以忽略右边的操作数。我们将 这种现象称为“短路”(即执行最短路径) (最小计算)。 </a:t>
             </a:r>
           </a:p>
         </p:txBody>
@@ -11395,7 +11506,7 @@
       </p:grpSpPr>
       <p:sp>
         <p:nvSpPr>
-          <p:cNvPr id="261" name="真值和假值"/>
+          <p:cNvPr id="263" name="语句嵌套"/>
           <p:cNvSpPr txBox="1"/>
           <p:nvPr>
             <p:ph type="title"/>
@@ -11403,7 +11514,7 @@
         </p:nvSpPr>
         <p:spPr>
           <a:xfrm>
-            <a:off x="1689100" y="-25400"/>
+            <a:off x="1689100" y="5715000"/>
             <a:ext cx="21005800" cy="2286000"/>
           </a:xfrm>
           <a:prstGeom prst="rect">
@@ -11424,52 +11535,7 @@
           <a:p>
             <a:pPr/>
             <a:r>
-              <a:t>真值和假值</a:t>
-            </a:r>
-          </a:p>
-        </p:txBody>
-      </p:sp>
-      <p:sp>
-        <p:nvSpPr>
-          <p:cNvPr id="262" name="假值…"/>
-          <p:cNvSpPr txBox="1"/>
-          <p:nvPr>
-            <p:ph type="body" idx="1"/>
-          </p:nvPr>
-        </p:nvSpPr>
-        <p:spPr>
-          <a:prstGeom prst="rect">
-            <a:avLst/>
-          </a:prstGeom>
-        </p:spPr>
-        <p:txBody>
-          <a:bodyPr/>
-          <a:lstStyle>
-            <a:lvl1pPr>
-              <a:defRPr>
-                <a:solidFill>
-                  <a:srgbClr val="FFFFFF"/>
-                </a:solidFill>
-              </a:defRPr>
-            </a:lvl1pPr>
-            <a:lvl2pPr>
-              <a:defRPr>
-                <a:solidFill>
-                  <a:srgbClr val="FFFFFF"/>
-                </a:solidFill>
-              </a:defRPr>
-            </a:lvl2pPr>
-          </a:lstStyle>
-          <a:p>
-            <a:pPr/>
-            <a:r>
-              <a:t>假值</a:t>
-            </a:r>
-          </a:p>
-          <a:p>
-            <a:pPr lvl="1"/>
-            <a:r>
-              <a:t>false null undefined 0  NaN “”</a:t>
+              <a:t>语句嵌套</a:t>
             </a:r>
           </a:p>
         </p:txBody>
@@ -11509,7 +11575,7 @@
       </p:grpSpPr>
       <p:sp>
         <p:nvSpPr>
-          <p:cNvPr id="264" name="三元运算符"/>
+          <p:cNvPr id="265" name="真值和假值"/>
           <p:cNvSpPr txBox="1"/>
           <p:nvPr>
             <p:ph type="title"/>
@@ -11538,14 +11604,14 @@
           <a:p>
             <a:pPr/>
             <a:r>
-              <a:t>三元运算符</a:t>
+              <a:t>真值和假值</a:t>
             </a:r>
           </a:p>
         </p:txBody>
       </p:sp>
       <p:sp>
         <p:nvSpPr>
-          <p:cNvPr id="265" name="判断条件？为真时执行 : 为假时执行"/>
+          <p:cNvPr id="266" name="JavaScript 中的每个值都有固有的布尔值，在布尔表达式中，该值就会转换为固有的布尔值。这些固有的值称为真值或假值…"/>
           <p:cNvSpPr txBox="1"/>
           <p:nvPr>
             <p:ph type="body" idx="1"/>
@@ -11558,19 +11624,52 @@
         </p:spPr>
         <p:txBody>
           <a:bodyPr/>
-          <a:lstStyle>
-            <a:lvl1pPr>
+          <a:lstStyle/>
+          <a:p>
+            <a:pPr>
               <a:defRPr>
                 <a:solidFill>
                   <a:srgbClr val="FFFFFF"/>
                 </a:solidFill>
               </a:defRPr>
-            </a:lvl1pPr>
-          </a:lstStyle>
-          <a:p>
-            <a:pPr/>
-            <a:r>
-              <a:t>判断条件？为真时执行 : 为假时执行</a:t>
+            </a:pPr>
+            <a:r>
+              <a:t> JavaScript 中的每个值都有固有的布尔值，在布尔表达式中，该值就会转换为固有的布尔值。这些固有的值称为</a:t>
+            </a:r>
+            <a:r>
+              <a:rPr b="1"/>
+              <a:t>真值</a:t>
+            </a:r>
+            <a:r>
+              <a:t>或</a:t>
+            </a:r>
+            <a:r>
+              <a:rPr b="1"/>
+              <a:t>假值</a:t>
+            </a:r>
+          </a:p>
+          <a:p>
+            <a:pPr>
+              <a:defRPr>
+                <a:solidFill>
+                  <a:srgbClr val="FFFFFF"/>
+                </a:solidFill>
+              </a:defRPr>
+            </a:pPr>
+            <a:r>
+              <a:t>假值</a:t>
+            </a:r>
+          </a:p>
+          <a:p>
+            <a:pPr lvl="1">
+              <a:defRPr>
+                <a:solidFill>
+                  <a:srgbClr val="FFFFFF"/>
+                </a:solidFill>
+              </a:defRPr>
+            </a:pPr>
+            <a:r>
+              <a:t>false null undefined 0  NaN “”</a:t>
             </a:r>
           </a:p>
         </p:txBody>
@@ -11679,7 +11778,7 @@
       </p:grpSpPr>
       <p:sp>
         <p:nvSpPr>
-          <p:cNvPr id="267" name="switch…case语句"/>
+          <p:cNvPr id="268" name="三元运算符"/>
           <p:cNvSpPr txBox="1"/>
           <p:nvPr>
             <p:ph type="title"/>
@@ -11708,14 +11807,14 @@
           <a:p>
             <a:pPr/>
             <a:r>
-              <a:t>switch…case语句</a:t>
+              <a:t>三元运算符</a:t>
             </a:r>
           </a:p>
         </p:txBody>
       </p:sp>
       <p:sp>
         <p:nvSpPr>
-          <p:cNvPr id="268" name="如果你的代码中重复出现 else if，每个条件都是基于相同的值…"/>
+          <p:cNvPr id="269" name="该运算符需要三个运算子…"/>
           <p:cNvSpPr txBox="1"/>
           <p:nvPr>
             <p:ph type="body" idx="1"/>
@@ -11738,7 +11837,7 @@
               </a:defRPr>
             </a:pPr>
             <a:r>
-              <a:t> 如果你的代码中重复出现 else if，每个条件都是基于相同的值</a:t>
+              <a:t> 该运算符需要三个运算子</a:t>
             </a:r>
           </a:p>
           <a:p>
@@ -11750,23 +11849,7 @@
               </a:defRPr>
             </a:pPr>
             <a:r>
-              <a:t> 中断语句 break</a:t>
-            </a:r>
-          </a:p>
-          <a:p>
-            <a:pPr>
-              <a:defRPr>
-                <a:solidFill>
-                  <a:schemeClr val="accent5">
-                    <a:hueOff val="-82419"/>
-                    <a:satOff val="-9513"/>
-                    <a:lumOff val="-16343"/>
-                  </a:schemeClr>
-                </a:solidFill>
-              </a:defRPr>
-            </a:pPr>
-            <a:r>
-              <a:t>注意： switch语句后面的表达式，与case语句后面的表示式比较运行结果时，采用的是严格相等运算符 ===，而不是相等运算符==，意味着比较时不会发生类型转换。</a:t>
+              <a:t>判断条件？为真时执行 : 为假时执行</a:t>
             </a:r>
           </a:p>
         </p:txBody>
@@ -11804,98 +11887,30 @@
           <a:chExt cx="0" cy="0"/>
         </a:xfrm>
       </p:grpSpPr>
-      <p:pic>
-        <p:nvPicPr>
-          <p:cNvPr id="270" name="3.png" descr="3.png"/>
-          <p:cNvPicPr>
-            <a:picLocks noChangeAspect="1"/>
-          </p:cNvPicPr>
-          <p:nvPr/>
-        </p:nvPicPr>
-        <p:blipFill>
-          <a:blip r:embed="rId2">
-            <a:extLst/>
-          </a:blip>
-          <a:stretch>
-            <a:fillRect/>
-          </a:stretch>
-        </p:blipFill>
-        <p:spPr>
-          <a:xfrm rot="21596025">
-            <a:off x="1187712" y="2477695"/>
-            <a:ext cx="10366852" cy="8784512"/>
+      <p:sp>
+        <p:nvSpPr>
+          <p:cNvPr id="271" name="switch…case语句"/>
+          <p:cNvSpPr txBox="1"/>
+          <p:nvPr>
+            <p:ph type="title"/>
+          </p:nvPr>
+        </p:nvSpPr>
+        <p:spPr>
+          <a:xfrm>
+            <a:off x="1689100" y="-25400"/>
+            <a:ext cx="21005800" cy="2286000"/>
           </a:xfrm>
           <a:prstGeom prst="rect">
             <a:avLst/>
           </a:prstGeom>
-          <a:ln w="12700">
-            <a:miter lim="400000"/>
-          </a:ln>
-        </p:spPr>
-      </p:pic>
-      <p:pic>
-        <p:nvPicPr>
-          <p:cNvPr id="271" name="2.png" descr="2.png"/>
-          <p:cNvPicPr>
-            <a:picLocks noChangeAspect="1"/>
-          </p:cNvPicPr>
-          <p:nvPr/>
-        </p:nvPicPr>
-        <p:blipFill>
-          <a:blip r:embed="rId3">
-            <a:extLst/>
-          </a:blip>
-          <a:stretch>
-            <a:fillRect/>
-          </a:stretch>
-        </p:blipFill>
-        <p:spPr>
-          <a:xfrm>
-            <a:off x="14620563" y="2408471"/>
-            <a:ext cx="8114506" cy="8899058"/>
-          </a:xfrm>
-          <a:prstGeom prst="rect">
-            <a:avLst/>
-          </a:prstGeom>
-          <a:ln w="12700">
-            <a:miter lim="400000"/>
-          </a:ln>
-        </p:spPr>
-      </p:pic>
-      <p:sp>
-        <p:nvSpPr>
-          <p:cNvPr id="272" name="VS"/>
-          <p:cNvSpPr txBox="1"/>
-          <p:nvPr/>
-        </p:nvSpPr>
-        <p:spPr>
-          <a:xfrm>
-            <a:off x="12171776" y="6063251"/>
-            <a:ext cx="1706145" cy="1589498"/>
-          </a:xfrm>
-          <a:prstGeom prst="rect">
-            <a:avLst/>
-          </a:prstGeom>
-          <a:ln w="12700">
-            <a:miter lim="400000"/>
-          </a:ln>
-          <a:extLst>
-            <a:ext uri="{C572A759-6A51-4108-AA02-DFA0A04FC94B}">
-              <ma14:wrappingTextBoxFlag xmlns:ma14="http://schemas.microsoft.com/office/mac/drawingml/2011/main" val="1"/>
-            </a:ext>
-          </a:extLst>
         </p:spPr>
         <p:txBody>
-          <a:bodyPr wrap="none" lIns="50800" tIns="50800" rIns="50800" bIns="50800" anchor="ctr">
-            <a:spAutoFit/>
-          </a:bodyPr>
+          <a:bodyPr/>
           <a:lstStyle>
             <a:lvl1pPr>
-              <a:defRPr sz="9800">
-                <a:solidFill>
-                  <a:schemeClr val="accent5">
-                    <a:lumOff val="-29866"/>
-                  </a:schemeClr>
+              <a:defRPr>
+                <a:solidFill>
+                  <a:srgbClr val="FFFFFF"/>
                 </a:solidFill>
               </a:defRPr>
             </a:lvl1pPr>
@@ -11903,90 +11918,78 @@
           <a:p>
             <a:pPr/>
             <a:r>
-              <a:t>VS</a:t>
+              <a:t>switch…case语句</a:t>
             </a:r>
           </a:p>
         </p:txBody>
       </p:sp>
       <p:sp>
         <p:nvSpPr>
-          <p:cNvPr id="273" name="线条"/>
-          <p:cNvSpPr/>
-          <p:nvPr/>
+          <p:cNvPr id="272" name="如果你的代码中重复出现 else if，每个条件都是基于相同的值…"/>
+          <p:cNvSpPr txBox="1"/>
+          <p:nvPr>
+            <p:ph type="body" idx="1"/>
+          </p:nvPr>
         </p:nvSpPr>
         <p:spPr>
-          <a:xfrm flipV="1">
-            <a:off x="3899785" y="4280502"/>
-            <a:ext cx="4279185" cy="5666199"/>
-          </a:xfrm>
-          <a:prstGeom prst="line">
+          <a:prstGeom prst="rect">
             <a:avLst/>
           </a:prstGeom>
-          <a:ln w="127000">
-            <a:solidFill>
-              <a:schemeClr val="accent5">
-                <a:lumOff val="-29866"/>
-              </a:schemeClr>
-            </a:solidFill>
-            <a:miter lim="400000"/>
-          </a:ln>
         </p:spPr>
         <p:txBody>
-          <a:bodyPr lIns="0" tIns="0" rIns="0" bIns="0" anchor="ctr"/>
+          <a:bodyPr/>
           <a:lstStyle/>
           <a:p>
             <a:pPr>
-              <a:defRPr b="0" sz="3200">
-                <a:solidFill>
-                  <a:srgbClr val="FFFFFF"/>
-                </a:solidFill>
-                <a:latin typeface="+mn-lt"/>
-                <a:ea typeface="+mn-ea"/>
-                <a:cs typeface="+mn-cs"/>
-                <a:sym typeface="Helvetica Neue Medium"/>
-              </a:defRPr>
-            </a:pPr>
-          </a:p>
-        </p:txBody>
-      </p:sp>
-      <p:sp>
-        <p:nvSpPr>
-          <p:cNvPr id="274" name="线条"/>
-          <p:cNvSpPr/>
-          <p:nvPr/>
-        </p:nvSpPr>
-        <p:spPr>
-          <a:xfrm flipH="1" flipV="1">
-            <a:off x="4248564" y="4330294"/>
-            <a:ext cx="4245147" cy="5566614"/>
-          </a:xfrm>
-          <a:prstGeom prst="line">
-            <a:avLst/>
-          </a:prstGeom>
-          <a:ln w="127000">
-            <a:solidFill>
-              <a:schemeClr val="accent5">
-                <a:lumOff val="-29866"/>
-              </a:schemeClr>
-            </a:solidFill>
-            <a:miter lim="400000"/>
-          </a:ln>
-        </p:spPr>
-        <p:txBody>
-          <a:bodyPr lIns="0" tIns="0" rIns="0" bIns="0" anchor="ctr"/>
-          <a:lstStyle/>
+              <a:defRPr>
+                <a:solidFill>
+                  <a:srgbClr val="FFFFFF"/>
+                </a:solidFill>
+              </a:defRPr>
+            </a:pPr>
+            <a:r>
+              <a:t> 如果你的代码中重复出现 else if，每个条件都是基于相同的值</a:t>
+            </a:r>
+          </a:p>
           <a:p>
             <a:pPr>
-              <a:defRPr b="0" sz="3200">
-                <a:solidFill>
-                  <a:srgbClr val="FFFFFF"/>
-                </a:solidFill>
-                <a:latin typeface="+mn-lt"/>
-                <a:ea typeface="+mn-ea"/>
-                <a:cs typeface="+mn-cs"/>
-                <a:sym typeface="Helvetica Neue Medium"/>
-              </a:defRPr>
-            </a:pPr>
+              <a:defRPr>
+                <a:solidFill>
+                  <a:srgbClr val="FFFFFF"/>
+                </a:solidFill>
+              </a:defRPr>
+            </a:pPr>
+            <a:r>
+              <a:t> 中断语句 break</a:t>
+            </a:r>
+          </a:p>
+          <a:p>
+            <a:pPr>
+              <a:defRPr>
+                <a:solidFill>
+                  <a:srgbClr val="FFFFFF"/>
+                </a:solidFill>
+              </a:defRPr>
+            </a:pPr>
+            <a:r>
+              <a:t>传递值</a:t>
+            </a:r>
+          </a:p>
+          <a:p>
+            <a:pPr>
+              <a:defRPr>
+                <a:solidFill>
+                  <a:schemeClr val="accent5">
+                    <a:hueOff val="-82419"/>
+                    <a:satOff val="-9513"/>
+                    <a:lumOff val="-16343"/>
+                  </a:schemeClr>
+                </a:solidFill>
+              </a:defRPr>
+            </a:pPr>
+            <a:r>
+              <a:t>注意： switch语句后面的表达式，与case语句后面的表达式比较运行结果时，采用的是绝对相等运算符 ===，而不是相等运算符==，意味着比较时不会发生类型转换。</a:t>
+            </a:r>
           </a:p>
         </p:txBody>
       </p:sp>
@@ -12023,9 +12026,228 @@
           <a:chExt cx="0" cy="0"/>
         </a:xfrm>
       </p:grpSpPr>
+      <p:pic>
+        <p:nvPicPr>
+          <p:cNvPr id="274" name="3.png" descr="3.png"/>
+          <p:cNvPicPr>
+            <a:picLocks noChangeAspect="1"/>
+          </p:cNvPicPr>
+          <p:nvPr/>
+        </p:nvPicPr>
+        <p:blipFill>
+          <a:blip r:embed="rId2">
+            <a:extLst/>
+          </a:blip>
+          <a:stretch>
+            <a:fillRect/>
+          </a:stretch>
+        </p:blipFill>
+        <p:spPr>
+          <a:xfrm rot="21596025">
+            <a:off x="1187712" y="2477695"/>
+            <a:ext cx="10366852" cy="8784512"/>
+          </a:xfrm>
+          <a:prstGeom prst="rect">
+            <a:avLst/>
+          </a:prstGeom>
+          <a:ln w="12700">
+            <a:miter lim="400000"/>
+          </a:ln>
+        </p:spPr>
+      </p:pic>
+      <p:pic>
+        <p:nvPicPr>
+          <p:cNvPr id="275" name="2.png" descr="2.png"/>
+          <p:cNvPicPr>
+            <a:picLocks noChangeAspect="1"/>
+          </p:cNvPicPr>
+          <p:nvPr/>
+        </p:nvPicPr>
+        <p:blipFill>
+          <a:blip r:embed="rId3">
+            <a:extLst/>
+          </a:blip>
+          <a:stretch>
+            <a:fillRect/>
+          </a:stretch>
+        </p:blipFill>
+        <p:spPr>
+          <a:xfrm>
+            <a:off x="14620563" y="2408471"/>
+            <a:ext cx="8114506" cy="8899058"/>
+          </a:xfrm>
+          <a:prstGeom prst="rect">
+            <a:avLst/>
+          </a:prstGeom>
+          <a:ln w="12700">
+            <a:miter lim="400000"/>
+          </a:ln>
+        </p:spPr>
+      </p:pic>
       <p:sp>
         <p:nvSpPr>
-          <p:cNvPr id="276" name="感谢！）"/>
+          <p:cNvPr id="276" name="VS"/>
+          <p:cNvSpPr txBox="1"/>
+          <p:nvPr/>
+        </p:nvSpPr>
+        <p:spPr>
+          <a:xfrm>
+            <a:off x="12171776" y="6063251"/>
+            <a:ext cx="1706145" cy="1589498"/>
+          </a:xfrm>
+          <a:prstGeom prst="rect">
+            <a:avLst/>
+          </a:prstGeom>
+          <a:ln w="12700">
+            <a:miter lim="400000"/>
+          </a:ln>
+          <a:extLst>
+            <a:ext uri="{C572A759-6A51-4108-AA02-DFA0A04FC94B}">
+              <ma14:wrappingTextBoxFlag xmlns:ma14="http://schemas.microsoft.com/office/mac/drawingml/2011/main" val="1"/>
+            </a:ext>
+          </a:extLst>
+        </p:spPr>
+        <p:txBody>
+          <a:bodyPr wrap="none" lIns="50800" tIns="50800" rIns="50800" bIns="50800" anchor="ctr">
+            <a:spAutoFit/>
+          </a:bodyPr>
+          <a:lstStyle>
+            <a:lvl1pPr>
+              <a:defRPr sz="9800">
+                <a:solidFill>
+                  <a:schemeClr val="accent5">
+                    <a:lumOff val="-29866"/>
+                  </a:schemeClr>
+                </a:solidFill>
+              </a:defRPr>
+            </a:lvl1pPr>
+          </a:lstStyle>
+          <a:p>
+            <a:pPr/>
+            <a:r>
+              <a:t>VS</a:t>
+            </a:r>
+          </a:p>
+        </p:txBody>
+      </p:sp>
+      <p:sp>
+        <p:nvSpPr>
+          <p:cNvPr id="277" name="线条"/>
+          <p:cNvSpPr/>
+          <p:nvPr/>
+        </p:nvSpPr>
+        <p:spPr>
+          <a:xfrm flipV="1">
+            <a:off x="3899785" y="4280502"/>
+            <a:ext cx="4279185" cy="5666199"/>
+          </a:xfrm>
+          <a:prstGeom prst="line">
+            <a:avLst/>
+          </a:prstGeom>
+          <a:ln w="127000">
+            <a:solidFill>
+              <a:schemeClr val="accent5">
+                <a:lumOff val="-29866"/>
+              </a:schemeClr>
+            </a:solidFill>
+            <a:miter lim="400000"/>
+          </a:ln>
+        </p:spPr>
+        <p:txBody>
+          <a:bodyPr lIns="0" tIns="0" rIns="0" bIns="0" anchor="ctr"/>
+          <a:lstStyle/>
+          <a:p>
+            <a:pPr>
+              <a:defRPr b="0" sz="3200">
+                <a:solidFill>
+                  <a:srgbClr val="FFFFFF"/>
+                </a:solidFill>
+                <a:latin typeface="+mn-lt"/>
+                <a:ea typeface="+mn-ea"/>
+                <a:cs typeface="+mn-cs"/>
+                <a:sym typeface="Helvetica Neue Medium"/>
+              </a:defRPr>
+            </a:pPr>
+          </a:p>
+        </p:txBody>
+      </p:sp>
+      <p:sp>
+        <p:nvSpPr>
+          <p:cNvPr id="278" name="线条"/>
+          <p:cNvSpPr/>
+          <p:nvPr/>
+        </p:nvSpPr>
+        <p:spPr>
+          <a:xfrm flipH="1" flipV="1">
+            <a:off x="4248564" y="4330294"/>
+            <a:ext cx="4245147" cy="5566614"/>
+          </a:xfrm>
+          <a:prstGeom prst="line">
+            <a:avLst/>
+          </a:prstGeom>
+          <a:ln w="127000">
+            <a:solidFill>
+              <a:schemeClr val="accent5">
+                <a:lumOff val="-29866"/>
+              </a:schemeClr>
+            </a:solidFill>
+            <a:miter lim="400000"/>
+          </a:ln>
+        </p:spPr>
+        <p:txBody>
+          <a:bodyPr lIns="0" tIns="0" rIns="0" bIns="0" anchor="ctr"/>
+          <a:lstStyle/>
+          <a:p>
+            <a:pPr>
+              <a:defRPr b="0" sz="3200">
+                <a:solidFill>
+                  <a:srgbClr val="FFFFFF"/>
+                </a:solidFill>
+                <a:latin typeface="+mn-lt"/>
+                <a:ea typeface="+mn-ea"/>
+                <a:cs typeface="+mn-cs"/>
+                <a:sym typeface="Helvetica Neue Medium"/>
+              </a:defRPr>
+            </a:pPr>
+          </a:p>
+        </p:txBody>
+      </p:sp>
+    </p:spTree>
+  </p:cSld>
+  <p:clrMapOvr>
+    <a:masterClrMapping/>
+  </p:clrMapOvr>
+  <p:transition xmlns:p14="http://schemas.microsoft.com/office/powerpoint/2010/main" spd="med" advClick="1"/>
+</p:sld>
+</file>
+
+<file path=ppt/slides/slide43.xml><?xml version="1.0" encoding="utf-8"?>
+<p:sld xmlns:a="http://schemas.openxmlformats.org/drawingml/2006/main" xmlns:r="http://schemas.openxmlformats.org/officeDocument/2006/relationships" xmlns:p="http://schemas.openxmlformats.org/presentationml/2006/main" xmlns:m="http://schemas.openxmlformats.org/officeDocument/2006/math" xmlns:a14="http://schemas.microsoft.com/office/drawing/2010/main" showMasterSp="1" showMasterPhAnim="1">
+  <p:cSld>
+    <p:bg>
+      <p:bgPr>
+        <a:solidFill>
+          <a:srgbClr val="000000"/>
+        </a:solidFill>
+      </p:bgPr>
+    </p:bg>
+    <p:spTree>
+      <p:nvGrpSpPr>
+        <p:cNvPr id="1" name=""/>
+        <p:cNvGrpSpPr/>
+        <p:nvPr/>
+      </p:nvGrpSpPr>
+      <p:grpSpPr>
+        <a:xfrm>
+          <a:off x="0" y="0"/>
+          <a:ext cx="0" cy="0"/>
+          <a:chOff x="0" y="0"/>
+          <a:chExt cx="0" cy="0"/>
+        </a:xfrm>
+      </p:grpSpPr>
+      <p:sp>
+        <p:nvSpPr>
+          <p:cNvPr id="280" name="感谢！）"/>
           <p:cNvSpPr txBox="1"/>
           <p:nvPr>
             <p:ph type="title"/>
@@ -12099,7 +12321,7 @@
         <p:spPr>
           <a:xfrm>
             <a:off x="1356374" y="2209800"/>
-            <a:ext cx="21005801" cy="9296401"/>
+            <a:ext cx="21005801" cy="9296400"/>
           </a:xfrm>
           <a:prstGeom prst="rect">
             <a:avLst/>
@@ -12222,7 +12444,7 @@
         <p:spPr>
           <a:xfrm>
             <a:off x="16575633" y="10484869"/>
-            <a:ext cx="3381952" cy="684134"/>
+            <a:ext cx="3381951" cy="684134"/>
           </a:xfrm>
           <a:prstGeom prst="rect">
             <a:avLst/>
@@ -12419,8 +12641,8 @@
         </p:nvSpPr>
         <p:spPr>
           <a:xfrm>
-            <a:off x="1689099" y="5715000"/>
-            <a:ext cx="21005801" cy="2286001"/>
+            <a:off x="1689100" y="5715000"/>
+            <a:ext cx="21005800" cy="2286000"/>
           </a:xfrm>
           <a:prstGeom prst="rect">
             <a:avLst/>
